--- a/multivariatna_analiza/predstavitev_domacih_nalog/pred.pptx
+++ b/multivariatna_analiza/predstavitev_domacih_nalog/pred.pptx
@@ -6,9 +6,11 @@
   </p:sldMasterIdLst>
   <p:sldIdLst>
     <p:sldId id="256" r:id="rId2"/>
-    <p:sldId id="257" r:id="rId3"/>
-    <p:sldId id="258" r:id="rId4"/>
-    <p:sldId id="259" r:id="rId5"/>
+    <p:sldId id="260" r:id="rId3"/>
+    <p:sldId id="261" r:id="rId4"/>
+    <p:sldId id="257" r:id="rId5"/>
+    <p:sldId id="258" r:id="rId6"/>
+    <p:sldId id="259" r:id="rId7"/>
   </p:sldIdLst>
   <p:sldSz cx="12192000" cy="6858000"/>
   <p:notesSz cx="6858000" cy="9144000"/>
@@ -107,6 +109,11 @@
       </a:defRPr>
     </a:lvl9pPr>
   </p:defaultTextStyle>
+  <p:extLst>
+    <p:ext uri="{EFAFB233-063F-42B5-8137-9DF3F51BA10A}">
+      <p15:sldGuideLst xmlns:p15="http://schemas.microsoft.com/office/powerpoint/2012/main"/>
+    </p:ext>
+  </p:extLst>
 </p:presentation>
 </file>
 
@@ -259,7 +266,7 @@
           <a:p>
             <a:fld id="{61AD32D0-812D-B540-BD38-806FA39D8D5E}" type="datetimeFigureOut">
               <a:rPr lang="sl-SI" smtClean="0"/>
-              <a:t>20. 5. 24</a:t>
+              <a:t>21. 5. 24</a:t>
             </a:fld>
             <a:endParaRPr lang="sl-SI"/>
           </a:p>
@@ -459,7 +466,7 @@
           <a:p>
             <a:fld id="{61AD32D0-812D-B540-BD38-806FA39D8D5E}" type="datetimeFigureOut">
               <a:rPr lang="sl-SI" smtClean="0"/>
-              <a:t>20. 5. 24</a:t>
+              <a:t>21. 5. 24</a:t>
             </a:fld>
             <a:endParaRPr lang="sl-SI"/>
           </a:p>
@@ -669,7 +676,7 @@
           <a:p>
             <a:fld id="{61AD32D0-812D-B540-BD38-806FA39D8D5E}" type="datetimeFigureOut">
               <a:rPr lang="sl-SI" smtClean="0"/>
-              <a:t>20. 5. 24</a:t>
+              <a:t>21. 5. 24</a:t>
             </a:fld>
             <a:endParaRPr lang="sl-SI"/>
           </a:p>
@@ -869,7 +876,7 @@
           <a:p>
             <a:fld id="{61AD32D0-812D-B540-BD38-806FA39D8D5E}" type="datetimeFigureOut">
               <a:rPr lang="sl-SI" smtClean="0"/>
-              <a:t>20. 5. 24</a:t>
+              <a:t>21. 5. 24</a:t>
             </a:fld>
             <a:endParaRPr lang="sl-SI"/>
           </a:p>
@@ -1145,7 +1152,7 @@
           <a:p>
             <a:fld id="{61AD32D0-812D-B540-BD38-806FA39D8D5E}" type="datetimeFigureOut">
               <a:rPr lang="sl-SI" smtClean="0"/>
-              <a:t>20. 5. 24</a:t>
+              <a:t>21. 5. 24</a:t>
             </a:fld>
             <a:endParaRPr lang="sl-SI"/>
           </a:p>
@@ -1413,7 +1420,7 @@
           <a:p>
             <a:fld id="{61AD32D0-812D-B540-BD38-806FA39D8D5E}" type="datetimeFigureOut">
               <a:rPr lang="sl-SI" smtClean="0"/>
-              <a:t>20. 5. 24</a:t>
+              <a:t>21. 5. 24</a:t>
             </a:fld>
             <a:endParaRPr lang="sl-SI"/>
           </a:p>
@@ -1828,7 +1835,7 @@
           <a:p>
             <a:fld id="{61AD32D0-812D-B540-BD38-806FA39D8D5E}" type="datetimeFigureOut">
               <a:rPr lang="sl-SI" smtClean="0"/>
-              <a:t>20. 5. 24</a:t>
+              <a:t>21. 5. 24</a:t>
             </a:fld>
             <a:endParaRPr lang="sl-SI"/>
           </a:p>
@@ -1970,7 +1977,7 @@
           <a:p>
             <a:fld id="{61AD32D0-812D-B540-BD38-806FA39D8D5E}" type="datetimeFigureOut">
               <a:rPr lang="sl-SI" smtClean="0"/>
-              <a:t>20. 5. 24</a:t>
+              <a:t>21. 5. 24</a:t>
             </a:fld>
             <a:endParaRPr lang="sl-SI"/>
           </a:p>
@@ -2083,7 +2090,7 @@
           <a:p>
             <a:fld id="{61AD32D0-812D-B540-BD38-806FA39D8D5E}" type="datetimeFigureOut">
               <a:rPr lang="sl-SI" smtClean="0"/>
-              <a:t>20. 5. 24</a:t>
+              <a:t>21. 5. 24</a:t>
             </a:fld>
             <a:endParaRPr lang="sl-SI"/>
           </a:p>
@@ -2396,7 +2403,7 @@
           <a:p>
             <a:fld id="{61AD32D0-812D-B540-BD38-806FA39D8D5E}" type="datetimeFigureOut">
               <a:rPr lang="sl-SI" smtClean="0"/>
-              <a:t>20. 5. 24</a:t>
+              <a:t>21. 5. 24</a:t>
             </a:fld>
             <a:endParaRPr lang="sl-SI"/>
           </a:p>
@@ -2685,7 +2692,7 @@
           <a:p>
             <a:fld id="{61AD32D0-812D-B540-BD38-806FA39D8D5E}" type="datetimeFigureOut">
               <a:rPr lang="sl-SI" smtClean="0"/>
-              <a:t>20. 5. 24</a:t>
+              <a:t>21. 5. 24</a:t>
             </a:fld>
             <a:endParaRPr lang="sl-SI"/>
           </a:p>
@@ -2928,7 +2935,7 @@
           <a:p>
             <a:fld id="{61AD32D0-812D-B540-BD38-806FA39D8D5E}" type="datetimeFigureOut">
               <a:rPr lang="sl-SI" smtClean="0"/>
-              <a:t>20. 5. 24</a:t>
+              <a:t>21. 5. 24</a:t>
             </a:fld>
             <a:endParaRPr lang="sl-SI"/>
           </a:p>
@@ -3360,7 +3367,7 @@
         <p:spPr>
           <a:xfrm>
             <a:off x="949411" y="1272747"/>
-            <a:ext cx="10293178" cy="3120081"/>
+            <a:ext cx="10293178" cy="3509318"/>
           </a:xfrm>
           <a:prstGeom prst="roundRect">
             <a:avLst/>
@@ -3409,8 +3416,8 @@
         </p:nvSpPr>
         <p:spPr>
           <a:xfrm>
-            <a:off x="1499286" y="1816442"/>
-            <a:ext cx="9193427" cy="1433384"/>
+            <a:off x="1223318" y="1904662"/>
+            <a:ext cx="9774196" cy="2335428"/>
           </a:xfrm>
         </p:spPr>
         <p:txBody>
@@ -3428,28 +3435,69 @@
                 <a:effectLst/>
               </a:rPr>
             </a:br>
+            <a:br>
+              <a:rPr lang="en-GB" sz="4400" b="1" i="0" u="none" strike="noStrike" dirty="0">
+                <a:solidFill>
+                  <a:schemeClr val="bg1"/>
+                </a:solidFill>
+                <a:effectLst/>
+              </a:rPr>
+            </a:br>
+            <a:br>
+              <a:rPr lang="en-GB" sz="4400" b="1" i="0" u="none" strike="noStrike" dirty="0">
+                <a:solidFill>
+                  <a:schemeClr val="bg1"/>
+                </a:solidFill>
+                <a:effectLst/>
+              </a:rPr>
+            </a:br>
+            <a:br>
+              <a:rPr lang="en-GB" sz="4400" b="1" i="0" u="none" strike="noStrike" dirty="0">
+                <a:solidFill>
+                  <a:schemeClr val="bg1"/>
+                </a:solidFill>
+                <a:effectLst/>
+              </a:rPr>
+            </a:br>
+            <a:br>
+              <a:rPr lang="en-GB" sz="4400" b="1" i="0" u="none" strike="noStrike" dirty="0">
+                <a:solidFill>
+                  <a:schemeClr val="bg1"/>
+                </a:solidFill>
+                <a:effectLst/>
+              </a:rPr>
+            </a:br>
             <a:r>
               <a:rPr lang="en-GB" b="1" dirty="0">
                 <a:solidFill>
                   <a:schemeClr val="bg1"/>
                 </a:solidFill>
               </a:rPr>
-              <a:t>DISKRIMINANTNA ANALIZA in</a:t>
+              <a:t>METODA GLAVNIH KOMPONENT IN FAKTORSKA ANALIZA </a:t>
+            </a:r>
+            <a:r>
+              <a:rPr lang="en-GB" b="1" dirty="0" err="1">
+                <a:solidFill>
+                  <a:schemeClr val="bg1"/>
+                </a:solidFill>
+              </a:rPr>
+              <a:t>ter</a:t>
             </a:r>
             <a:br>
+              <a:rPr lang="en-GB" sz="4400" b="1" i="0" u="none" strike="noStrike" dirty="0">
+                <a:solidFill>
+                  <a:schemeClr val="bg1"/>
+                </a:solidFill>
+                <a:effectLst/>
+              </a:rPr>
+            </a:br>
+            <a:r>
               <a:rPr lang="en-GB" b="1" dirty="0">
                 <a:solidFill>
                   <a:schemeClr val="bg1"/>
                 </a:solidFill>
               </a:rPr>
-            </a:br>
-            <a:r>
-              <a:rPr lang="en-GB" b="1" dirty="0">
-                <a:solidFill>
-                  <a:schemeClr val="bg1"/>
-                </a:solidFill>
-              </a:rPr>
-              <a:t>…</a:t>
+              <a:t>DISKRIMINANTNA ANALIZA</a:t>
             </a:r>
             <a:endParaRPr lang="sl-SI" b="1" dirty="0">
               <a:solidFill>
@@ -3510,7 +3558,7 @@
         </p:nvSpPr>
         <p:spPr>
           <a:xfrm>
-            <a:off x="1223318" y="4843847"/>
+            <a:off x="1223318" y="5118210"/>
             <a:ext cx="1726498" cy="1384995"/>
           </a:xfrm>
           <a:prstGeom prst="rect">
@@ -3613,7 +3661,7 @@
           <p:cNvPr id="4" name="Rectangle 3">
             <a:extLst>
               <a:ext uri="{FF2B5EF4-FFF2-40B4-BE49-F238E27FC236}">
-                <a16:creationId xmlns:a16="http://schemas.microsoft.com/office/drawing/2014/main" id="{660A4F87-92C7-8828-79C6-E1D355910C86}"/>
+                <a16:creationId xmlns:a16="http://schemas.microsoft.com/office/drawing/2014/main" id="{3CCD1D6A-923B-FFAC-8691-7919B4C630FC}"/>
               </a:ext>
             </a:extLst>
           </p:cNvPr>
@@ -3622,8 +3670,8 @@
         </p:nvSpPr>
         <p:spPr>
           <a:xfrm>
-            <a:off x="5198076" y="0"/>
-            <a:ext cx="6993924" cy="1248032"/>
+            <a:off x="4522573" y="0"/>
+            <a:ext cx="7669427" cy="1248032"/>
           </a:xfrm>
           <a:prstGeom prst="rect">
             <a:avLst/>
@@ -3650,18 +3698,27 @@
           <a:lstStyle/>
           <a:p>
             <a:r>
-              <a:rPr lang="sl-SI" sz="4000" b="1" dirty="0"/>
-              <a:t>    DISKRIMINANTNA ANALIZA</a:t>
-            </a:r>
-          </a:p>
-        </p:txBody>
-      </p:sp>
-      <p:sp>
-        <p:nvSpPr>
-          <p:cNvPr id="7" name="TextBox 6">
-            <a:extLst>
-              <a:ext uri="{FF2B5EF4-FFF2-40B4-BE49-F238E27FC236}">
-                <a16:creationId xmlns:a16="http://schemas.microsoft.com/office/drawing/2014/main" id="{AA923B4C-FDCC-F889-8BA6-F1BC838C06A1}"/>
+              <a:rPr lang="sl-SI" b="1" dirty="0"/>
+              <a:t> </a:t>
+            </a:r>
+            <a:r>
+              <a:rPr lang="en-GB" sz="4000" b="1" dirty="0">
+                <a:solidFill>
+                  <a:schemeClr val="bg1"/>
+                </a:solidFill>
+              </a:rPr>
+              <a:t>METODA GLAVNIH KOMPONENT</a:t>
+            </a:r>
+            <a:endParaRPr lang="sl-SI" sz="4000" b="1" dirty="0"/>
+          </a:p>
+        </p:txBody>
+      </p:sp>
+      <p:sp>
+        <p:nvSpPr>
+          <p:cNvPr id="5" name="TextBox 4">
+            <a:extLst>
+              <a:ext uri="{FF2B5EF4-FFF2-40B4-BE49-F238E27FC236}">
+                <a16:creationId xmlns:a16="http://schemas.microsoft.com/office/drawing/2014/main" id="{65E8A81D-351B-DD37-BA85-104A0F9B4312}"/>
               </a:ext>
             </a:extLst>
           </p:cNvPr>
@@ -3670,8 +3727,8 @@
         </p:nvSpPr>
         <p:spPr>
           <a:xfrm>
-            <a:off x="333633" y="150837"/>
-            <a:ext cx="4932402" cy="2339102"/>
+            <a:off x="142829" y="270073"/>
+            <a:ext cx="4214018" cy="1015663"/>
           </a:xfrm>
           <a:prstGeom prst="rect">
             <a:avLst/>
@@ -3685,268 +3742,18 @@
           <a:lstStyle/>
           <a:p>
             <a:r>
-              <a:rPr lang="en-GB" sz="2000" dirty="0" err="1"/>
-              <a:t>P</a:t>
-            </a:r>
-            <a:r>
-              <a:rPr lang="en-GB" sz="2000" dirty="0" err="1">
-                <a:effectLst/>
-              </a:rPr>
-              <a:t>odatkovni</a:t>
-            </a:r>
-            <a:r>
-              <a:rPr lang="en-GB" sz="2000" dirty="0">
-                <a:effectLst/>
-              </a:rPr>
-              <a:t> </a:t>
-            </a:r>
-            <a:r>
-              <a:rPr lang="en-GB" sz="2000" dirty="0" err="1">
-                <a:effectLst/>
-              </a:rPr>
-              <a:t>okvir</a:t>
-            </a:r>
-            <a:r>
-              <a:rPr lang="en-GB" sz="2000" dirty="0">
-                <a:effectLst/>
-              </a:rPr>
-              <a:t> z </a:t>
-            </a:r>
-            <a:r>
-              <a:rPr lang="en-GB" sz="2000" dirty="0" err="1">
-                <a:effectLst/>
-              </a:rPr>
-              <a:t>naslovom</a:t>
-            </a:r>
-            <a:r>
-              <a:rPr lang="en-GB" sz="2000" dirty="0">
-                <a:effectLst/>
-              </a:rPr>
-              <a:t> </a:t>
-            </a:r>
-            <a:r>
-              <a:rPr lang="en-GB" sz="2000" i="1" dirty="0">
-                <a:effectLst/>
-              </a:rPr>
-              <a:t>Wine</a:t>
-            </a:r>
-            <a:r>
-              <a:rPr lang="en-GB" sz="2000" i="1" dirty="0"/>
-              <a:t> – </a:t>
-            </a:r>
-            <a:r>
-              <a:rPr lang="en-GB" sz="2000" dirty="0" err="1"/>
-              <a:t>vsebujejo</a:t>
-            </a:r>
-            <a:r>
-              <a:rPr lang="en-GB" sz="2000" dirty="0"/>
-              <a:t> 13 </a:t>
-            </a:r>
-            <a:r>
-              <a:rPr lang="en-GB" sz="2000" dirty="0" err="1"/>
-              <a:t>različnih</a:t>
-            </a:r>
-            <a:r>
-              <a:rPr lang="en-GB" sz="2000" dirty="0"/>
-              <a:t> </a:t>
-            </a:r>
-            <a:r>
-              <a:rPr lang="en-GB" sz="2000" dirty="0" err="1"/>
-              <a:t>lastnosti</a:t>
-            </a:r>
-            <a:r>
-              <a:rPr lang="en-GB" sz="2000" dirty="0"/>
-              <a:t> vina </a:t>
-            </a:r>
-            <a:r>
-              <a:rPr lang="en-GB" sz="2000" dirty="0" err="1"/>
-              <a:t>iz</a:t>
-            </a:r>
-            <a:r>
-              <a:rPr lang="en-GB" sz="2000" dirty="0"/>
-              <a:t> </a:t>
-            </a:r>
-            <a:r>
-              <a:rPr lang="en-GB" sz="2000" dirty="0" err="1"/>
-              <a:t>kemijske</a:t>
-            </a:r>
-            <a:r>
-              <a:rPr lang="en-GB" sz="2000" dirty="0"/>
-              <a:t> </a:t>
-            </a:r>
-            <a:r>
-              <a:rPr lang="en-GB" sz="2000" dirty="0" err="1"/>
-              <a:t>analize</a:t>
-            </a:r>
-            <a:r>
-              <a:rPr lang="en-GB" sz="2000" dirty="0"/>
-              <a:t> </a:t>
-            </a:r>
-            <a:r>
-              <a:rPr lang="en-GB" sz="2000" dirty="0" err="1"/>
-              <a:t>treh</a:t>
-            </a:r>
-            <a:r>
-              <a:rPr lang="en-GB" sz="2000" dirty="0"/>
-              <a:t> </a:t>
-            </a:r>
-            <a:r>
-              <a:rPr lang="en-GB" sz="2000" dirty="0" err="1"/>
-              <a:t>različnih</a:t>
-            </a:r>
-            <a:r>
-              <a:rPr lang="en-GB" sz="2000" dirty="0"/>
-              <a:t> sort vina.</a:t>
-            </a:r>
-          </a:p>
-          <a:p>
-            <a:endParaRPr lang="en-GB" sz="2000" dirty="0"/>
-          </a:p>
-          <a:p>
-            <a:r>
-              <a:rPr lang="en-GB" sz="2400" b="1" dirty="0" err="1">
-                <a:effectLst/>
-              </a:rPr>
-              <a:t>Iz</a:t>
-            </a:r>
-            <a:r>
-              <a:rPr lang="en-GB" sz="2400" b="1" dirty="0">
-                <a:effectLst/>
-              </a:rPr>
-              <a:t> </a:t>
-            </a:r>
-            <a:r>
-              <a:rPr lang="en-GB" sz="2400" b="1" dirty="0" err="1">
-                <a:effectLst/>
-              </a:rPr>
-              <a:t>teh</a:t>
-            </a:r>
-            <a:r>
-              <a:rPr lang="en-GB" sz="2400" b="1" dirty="0">
-                <a:effectLst/>
-              </a:rPr>
-              <a:t> </a:t>
-            </a:r>
-            <a:r>
-              <a:rPr lang="en-GB" sz="2400" b="1" dirty="0" err="1">
-                <a:effectLst/>
-              </a:rPr>
-              <a:t>komponent</a:t>
-            </a:r>
-            <a:r>
-              <a:rPr lang="en-GB" sz="2400" b="1" dirty="0">
-                <a:effectLst/>
-              </a:rPr>
-              <a:t> </a:t>
-            </a:r>
-            <a:r>
-              <a:rPr lang="en-GB" sz="2400" b="1" dirty="0" err="1">
-                <a:effectLst/>
-              </a:rPr>
-              <a:t>želimo</a:t>
-            </a:r>
-            <a:r>
-              <a:rPr lang="en-GB" sz="2400" b="1" dirty="0">
-                <a:effectLst/>
-              </a:rPr>
-              <a:t> </a:t>
-            </a:r>
-            <a:r>
-              <a:rPr lang="en-GB" sz="2400" b="1" dirty="0" err="1">
-                <a:effectLst/>
-              </a:rPr>
-              <a:t>določiti</a:t>
-            </a:r>
-            <a:r>
-              <a:rPr lang="en-GB" sz="2400" b="1" dirty="0">
-                <a:effectLst/>
-              </a:rPr>
-              <a:t> </a:t>
-            </a:r>
-            <a:r>
-              <a:rPr lang="en-GB" sz="2400" b="1" dirty="0" err="1">
-                <a:effectLst/>
-              </a:rPr>
-              <a:t>kateri</a:t>
-            </a:r>
-            <a:r>
-              <a:rPr lang="en-GB" sz="2400" b="1" dirty="0">
-                <a:effectLst/>
-              </a:rPr>
-              <a:t> </a:t>
-            </a:r>
-            <a:r>
-              <a:rPr lang="en-GB" sz="2400" b="1" dirty="0" err="1">
-                <a:effectLst/>
-              </a:rPr>
-              <a:t>sorti</a:t>
-            </a:r>
-            <a:r>
-              <a:rPr lang="en-GB" sz="2400" b="1" dirty="0">
-                <a:effectLst/>
-              </a:rPr>
-              <a:t> </a:t>
-            </a:r>
-            <a:r>
-              <a:rPr lang="en-GB" sz="2400" b="1" dirty="0" err="1">
-                <a:effectLst/>
-              </a:rPr>
-              <a:t>pripada</a:t>
-            </a:r>
-            <a:r>
-              <a:rPr lang="en-GB" sz="2400" b="1" dirty="0">
-                <a:effectLst/>
-              </a:rPr>
-              <a:t> vino.</a:t>
-            </a:r>
-            <a:endParaRPr lang="en-GB" sz="2400" b="1" dirty="0"/>
-          </a:p>
-          <a:p>
-            <a:endParaRPr lang="sl-SI" dirty="0"/>
-          </a:p>
-        </p:txBody>
-      </p:sp>
-      <p:sp>
-        <p:nvSpPr>
-          <p:cNvPr id="9" name="TextBox 8">
-            <a:extLst>
-              <a:ext uri="{FF2B5EF4-FFF2-40B4-BE49-F238E27FC236}">
-                <a16:creationId xmlns:a16="http://schemas.microsoft.com/office/drawing/2014/main" id="{F9141483-F302-52BE-3524-B258C0AEB5FD}"/>
-              </a:ext>
-            </a:extLst>
-          </p:cNvPr>
-          <p:cNvSpPr txBox="1"/>
-          <p:nvPr/>
-        </p:nvSpPr>
-        <p:spPr>
-          <a:xfrm>
-            <a:off x="333633" y="2653138"/>
-            <a:ext cx="4077729" cy="707886"/>
-          </a:xfrm>
-          <a:prstGeom prst="rect">
-            <a:avLst/>
-          </a:prstGeom>
-          <a:noFill/>
-        </p:spPr>
-        <p:txBody>
-          <a:bodyPr wrap="square" rtlCol="0">
-            <a:spAutoFit/>
-          </a:bodyPr>
-          <a:lstStyle/>
-          <a:p>
-            <a:r>
               <a:rPr lang="sl-SI" sz="2000" dirty="0"/>
-              <a:t>Podatke razdelimo v 3 skupine glede na sorto vina.</a:t>
+              <a:t>Podatki testa osebnosti – spremenljivke  energije in čustvene stabilnosti.</a:t>
             </a:r>
           </a:p>
         </p:txBody>
       </p:sp>
       <p:pic>
         <p:nvPicPr>
-          <p:cNvPr id="11" name="Picture 10">
-            <a:extLst>
-              <a:ext uri="{FF2B5EF4-FFF2-40B4-BE49-F238E27FC236}">
-                <a16:creationId xmlns:a16="http://schemas.microsoft.com/office/drawing/2014/main" id="{94A7BE8A-9B5D-A364-EEA4-1B4C69ACB14B}"/>
+          <p:cNvPr id="6" name="Picture 5">
+            <a:extLst>
+              <a:ext uri="{FF2B5EF4-FFF2-40B4-BE49-F238E27FC236}">
+                <a16:creationId xmlns:a16="http://schemas.microsoft.com/office/drawing/2014/main" id="{74F06674-BCB7-F835-5C84-844746FD9EA6}"/>
               </a:ext>
             </a:extLst>
           </p:cNvPr>
@@ -3963,59 +3770,30 @@
         </p:blipFill>
         <p:spPr>
           <a:xfrm>
-            <a:off x="539579" y="3524223"/>
-            <a:ext cx="3962399" cy="2371436"/>
+            <a:off x="0" y="1642811"/>
+            <a:ext cx="7772400" cy="4784883"/>
           </a:xfrm>
           <a:prstGeom prst="rect">
             <a:avLst/>
           </a:prstGeom>
         </p:spPr>
       </p:pic>
-      <p:pic>
-        <p:nvPicPr>
-          <p:cNvPr id="12" name="Picture 11">
-            <a:extLst>
-              <a:ext uri="{FF2B5EF4-FFF2-40B4-BE49-F238E27FC236}">
-                <a16:creationId xmlns:a16="http://schemas.microsoft.com/office/drawing/2014/main" id="{747C7FE0-1163-7E20-C4B6-8412D264322B}"/>
-              </a:ext>
-            </a:extLst>
-          </p:cNvPr>
-          <p:cNvPicPr>
-            <a:picLocks noChangeAspect="1"/>
-          </p:cNvPicPr>
+      <p:sp>
+        <p:nvSpPr>
+          <p:cNvPr id="10" name="TextBox 9">
+            <a:extLst>
+              <a:ext uri="{FF2B5EF4-FFF2-40B4-BE49-F238E27FC236}">
+                <a16:creationId xmlns:a16="http://schemas.microsoft.com/office/drawing/2014/main" id="{60A4306C-E210-C0AB-32EA-0DAA0EC0A6F5}"/>
+              </a:ext>
+            </a:extLst>
+          </p:cNvPr>
+          <p:cNvSpPr txBox="1"/>
           <p:nvPr/>
-        </p:nvPicPr>
-        <p:blipFill rotWithShape="1">
-          <a:blip r:embed="rId3"/>
-          <a:srcRect t="5033"/>
-          <a:stretch/>
-        </p:blipFill>
+        </p:nvSpPr>
         <p:spPr>
           <a:xfrm>
-            <a:off x="5636516" y="1885686"/>
-            <a:ext cx="6512241" cy="4508120"/>
-          </a:xfrm>
-          <a:prstGeom prst="rect">
-            <a:avLst/>
-          </a:prstGeom>
-        </p:spPr>
-      </p:pic>
-      <p:sp>
-        <p:nvSpPr>
-          <p:cNvPr id="13" name="TextBox 12">
-            <a:extLst>
-              <a:ext uri="{FF2B5EF4-FFF2-40B4-BE49-F238E27FC236}">
-                <a16:creationId xmlns:a16="http://schemas.microsoft.com/office/drawing/2014/main" id="{BAF8BB48-46FD-B5A7-A00D-8BDBDE0AD842}"/>
-              </a:ext>
-            </a:extLst>
-          </p:cNvPr>
-          <p:cNvSpPr txBox="1"/>
-          <p:nvPr/>
-        </p:nvSpPr>
-        <p:spPr>
-          <a:xfrm>
-            <a:off x="5636516" y="1442171"/>
-            <a:ext cx="6755031" cy="646331"/>
+            <a:off x="7409330" y="1534047"/>
+            <a:ext cx="4518211" cy="4893647"/>
           </a:xfrm>
           <a:prstGeom prst="rect">
             <a:avLst/>
@@ -4028,101 +3806,29 @@
           </a:bodyPr>
           <a:lstStyle/>
           <a:p>
-            <a:r>
-              <a:rPr lang="en-GB" sz="1800" dirty="0" err="1">
-                <a:effectLst/>
-                <a:latin typeface="LMRoman10"/>
-              </a:rPr>
-              <a:t>Povprečja</a:t>
-            </a:r>
-            <a:r>
-              <a:rPr lang="en-GB" sz="1800" dirty="0">
-                <a:effectLst/>
-                <a:latin typeface="LMRoman10"/>
-              </a:rPr>
-              <a:t> </a:t>
-            </a:r>
-            <a:r>
-              <a:rPr lang="en-GB" sz="1800" dirty="0" err="1">
-                <a:effectLst/>
-                <a:latin typeface="LMRoman10"/>
-              </a:rPr>
-              <a:t>lastnosti</a:t>
-            </a:r>
-            <a:r>
-              <a:rPr lang="en-GB" sz="1800" dirty="0">
-                <a:effectLst/>
-                <a:latin typeface="LMRoman10"/>
-              </a:rPr>
-              <a:t> vina glede </a:t>
-            </a:r>
-            <a:r>
-              <a:rPr lang="en-GB" sz="1800" dirty="0" err="1">
-                <a:effectLst/>
-                <a:latin typeface="LMRoman10"/>
-              </a:rPr>
-              <a:t>na</a:t>
-            </a:r>
-            <a:r>
-              <a:rPr lang="en-GB" sz="1800" dirty="0">
-                <a:effectLst/>
-                <a:latin typeface="LMRoman10"/>
-              </a:rPr>
-              <a:t> </a:t>
-            </a:r>
-            <a:r>
-              <a:rPr lang="en-GB" sz="1800" dirty="0" err="1">
-                <a:effectLst/>
-                <a:latin typeface="LMRoman10"/>
-              </a:rPr>
-              <a:t>sorto</a:t>
-            </a:r>
-            <a:r>
-              <a:rPr lang="en-GB" sz="1800" dirty="0">
-                <a:effectLst/>
-                <a:latin typeface="LMRoman10"/>
-              </a:rPr>
-              <a:t> (</a:t>
-            </a:r>
-            <a:r>
-              <a:rPr lang="en-GB" sz="1800" dirty="0" err="1">
-                <a:effectLst/>
-                <a:latin typeface="LMRoman10"/>
-              </a:rPr>
-              <a:t>standardizirane</a:t>
-            </a:r>
-            <a:r>
-              <a:rPr lang="en-GB" sz="1800" dirty="0">
-                <a:effectLst/>
-                <a:latin typeface="LMRoman10"/>
-              </a:rPr>
-              <a:t> </a:t>
-            </a:r>
-            <a:r>
-              <a:rPr lang="en-GB" sz="1800" dirty="0" err="1">
-                <a:effectLst/>
-                <a:latin typeface="LMRoman10"/>
-              </a:rPr>
-              <a:t>vrednosti</a:t>
-            </a:r>
-            <a:r>
-              <a:rPr lang="en-GB" sz="1800" dirty="0">
-                <a:effectLst/>
-                <a:latin typeface="LMRoman10"/>
-              </a:rPr>
-              <a:t>) .</a:t>
-            </a:r>
-            <a:endParaRPr lang="en-GB" dirty="0"/>
-          </a:p>
-          <a:p>
-            <a:endParaRPr lang="sl-SI" dirty="0"/>
+            <a:pPr algn="r"/>
+            <a:r>
+              <a:rPr lang="sl-SI" sz="2400" dirty="0"/>
+              <a:t>Obe glavni komponenti sta v levi polovici pozitivno korelirani, ampak glavna komponenta 2 je v območju, ki nam povzroča probleme, saj korelacija ni zanemerljiva, ampak ni tudi tako visoka, da bi jo z zagotovostjo povezali z lastnostmi energije. </a:t>
+            </a:r>
+          </a:p>
+          <a:p>
+            <a:pPr algn="r"/>
+            <a:endParaRPr lang="sl-SI" sz="2400" dirty="0"/>
+          </a:p>
+          <a:p>
+            <a:pPr algn="r"/>
+            <a:r>
+              <a:rPr lang="sl-SI" sz="2400" dirty="0"/>
+              <a:t>Na desni polovici pa se glavni komponenti lepo ločita na pozitivno in negativno koreliranost.</a:t>
+            </a:r>
           </a:p>
         </p:txBody>
       </p:sp>
     </p:spTree>
     <p:extLst>
       <p:ext uri="{BB962C8B-B14F-4D97-AF65-F5344CB8AC3E}">
-        <p14:creationId xmlns:p14="http://schemas.microsoft.com/office/powerpoint/2010/main" val="3263970330"/>
+        <p14:creationId xmlns:p14="http://schemas.microsoft.com/office/powerpoint/2010/main" val="35432722"/>
       </p:ext>
     </p:extLst>
   </p:cSld>
@@ -4154,6 +3860,737 @@
           <p:cNvPr id="4" name="Rectangle 3">
             <a:extLst>
               <a:ext uri="{FF2B5EF4-FFF2-40B4-BE49-F238E27FC236}">
+                <a16:creationId xmlns:a16="http://schemas.microsoft.com/office/drawing/2014/main" id="{4195DA3D-EF8B-6B34-94D3-E07A133A4B22}"/>
+              </a:ext>
+            </a:extLst>
+          </p:cNvPr>
+          <p:cNvSpPr/>
+          <p:nvPr/>
+        </p:nvSpPr>
+        <p:spPr>
+          <a:xfrm>
+            <a:off x="5392271" y="0"/>
+            <a:ext cx="6799729" cy="1248032"/>
+          </a:xfrm>
+          <a:prstGeom prst="rect">
+            <a:avLst/>
+          </a:prstGeom>
+        </p:spPr>
+        <p:style>
+          <a:lnRef idx="2">
+            <a:schemeClr val="accent1">
+              <a:shade val="15000"/>
+            </a:schemeClr>
+          </a:lnRef>
+          <a:fillRef idx="1">
+            <a:schemeClr val="accent1"/>
+          </a:fillRef>
+          <a:effectRef idx="0">
+            <a:schemeClr val="accent1"/>
+          </a:effectRef>
+          <a:fontRef idx="minor">
+            <a:schemeClr val="lt1"/>
+          </a:fontRef>
+        </p:style>
+        <p:txBody>
+          <a:bodyPr rtlCol="0" anchor="ctr"/>
+          <a:lstStyle/>
+          <a:p>
+            <a:r>
+              <a:rPr lang="sl-SI" b="1" dirty="0"/>
+              <a:t> </a:t>
+            </a:r>
+            <a:r>
+              <a:rPr lang="en-GB" sz="4000" b="1" dirty="0">
+                <a:solidFill>
+                  <a:schemeClr val="bg1"/>
+                </a:solidFill>
+              </a:rPr>
+              <a:t>FAKTORSKA ANALIZA</a:t>
+            </a:r>
+            <a:endParaRPr lang="sl-SI" sz="4000" b="1" dirty="0"/>
+          </a:p>
+        </p:txBody>
+      </p:sp>
+      <p:pic>
+        <p:nvPicPr>
+          <p:cNvPr id="5" name="Picture 4">
+            <a:extLst>
+              <a:ext uri="{FF2B5EF4-FFF2-40B4-BE49-F238E27FC236}">
+                <a16:creationId xmlns:a16="http://schemas.microsoft.com/office/drawing/2014/main" id="{CD69E5E1-C9AC-F190-0263-ABEB92C937DD}"/>
+              </a:ext>
+            </a:extLst>
+          </p:cNvPr>
+          <p:cNvPicPr>
+            <a:picLocks noChangeAspect="1"/>
+          </p:cNvPicPr>
+          <p:nvPr/>
+        </p:nvPicPr>
+        <p:blipFill>
+          <a:blip r:embed="rId2"/>
+          <a:stretch>
+            <a:fillRect/>
+          </a:stretch>
+        </p:blipFill>
+        <p:spPr>
+          <a:xfrm>
+            <a:off x="4419600" y="1655206"/>
+            <a:ext cx="7772400" cy="5135559"/>
+          </a:xfrm>
+          <a:prstGeom prst="rect">
+            <a:avLst/>
+          </a:prstGeom>
+        </p:spPr>
+      </p:pic>
+      <p:sp>
+        <p:nvSpPr>
+          <p:cNvPr id="6" name="TextBox 5">
+            <a:extLst>
+              <a:ext uri="{FF2B5EF4-FFF2-40B4-BE49-F238E27FC236}">
+                <a16:creationId xmlns:a16="http://schemas.microsoft.com/office/drawing/2014/main" id="{4477C4AA-C105-DCBC-0EC1-CC805928355F}"/>
+              </a:ext>
+            </a:extLst>
+          </p:cNvPr>
+          <p:cNvSpPr txBox="1"/>
+          <p:nvPr/>
+        </p:nvSpPr>
+        <p:spPr>
+          <a:xfrm>
+            <a:off x="228601" y="2670868"/>
+            <a:ext cx="4190999" cy="2585323"/>
+          </a:xfrm>
+          <a:prstGeom prst="rect">
+            <a:avLst/>
+          </a:prstGeom>
+          <a:noFill/>
+        </p:spPr>
+        <p:txBody>
+          <a:bodyPr wrap="square" rtlCol="0">
+            <a:spAutoFit/>
+          </a:bodyPr>
+          <a:lstStyle/>
+          <a:p>
+            <a:endParaRPr lang="sl-SI" dirty="0"/>
+          </a:p>
+          <a:p>
+            <a:r>
+              <a:rPr lang="sl-SI" sz="2400" dirty="0"/>
+              <a:t>Na grafu vidimo, da pa se tokrat spremenljivke, ki so v povezavi z energijo in spremenljivke čustvene stabilnosti lepo ločujejo glede na faktorja.</a:t>
+            </a:r>
+          </a:p>
+        </p:txBody>
+      </p:sp>
+      <p:sp>
+        <p:nvSpPr>
+          <p:cNvPr id="7" name="TextBox 6">
+            <a:extLst>
+              <a:ext uri="{FF2B5EF4-FFF2-40B4-BE49-F238E27FC236}">
+                <a16:creationId xmlns:a16="http://schemas.microsoft.com/office/drawing/2014/main" id="{9C15A3A6-9D5C-81C7-E094-97D9A66FF4BD}"/>
+              </a:ext>
+            </a:extLst>
+          </p:cNvPr>
+          <p:cNvSpPr txBox="1"/>
+          <p:nvPr/>
+        </p:nvSpPr>
+        <p:spPr>
+          <a:xfrm>
+            <a:off x="228601" y="245113"/>
+            <a:ext cx="5163670" cy="2308324"/>
+          </a:xfrm>
+          <a:prstGeom prst="rect">
+            <a:avLst/>
+          </a:prstGeom>
+          <a:noFill/>
+        </p:spPr>
+        <p:txBody>
+          <a:bodyPr wrap="square" rtlCol="0">
+            <a:spAutoFit/>
+          </a:bodyPr>
+          <a:lstStyle/>
+          <a:p>
+            <a:r>
+              <a:rPr lang="sl-SI" sz="2400" dirty="0"/>
+              <a:t>Želimo poenostaviti kompleksnost povezav med spremenljivkami energije in čustvene stabilnosti tako, da sva našla novo dva faktorja, ki predstavlja skupno opazovanim spremenljivkam.</a:t>
+            </a:r>
+          </a:p>
+        </p:txBody>
+      </p:sp>
+    </p:spTree>
+    <p:extLst>
+      <p:ext uri="{BB962C8B-B14F-4D97-AF65-F5344CB8AC3E}">
+        <p14:creationId xmlns:p14="http://schemas.microsoft.com/office/powerpoint/2010/main" val="1293250870"/>
+      </p:ext>
+    </p:extLst>
+  </p:cSld>
+  <p:clrMapOvr>
+    <a:masterClrMapping/>
+  </p:clrMapOvr>
+</p:sld>
+</file>
+
+<file path=ppt/slides/slide4.xml><?xml version="1.0" encoding="utf-8"?>
+<p:sld xmlns:a="http://schemas.openxmlformats.org/drawingml/2006/main" xmlns:r="http://schemas.openxmlformats.org/officeDocument/2006/relationships" xmlns:p="http://schemas.openxmlformats.org/presentationml/2006/main">
+  <p:cSld>
+    <p:spTree>
+      <p:nvGrpSpPr>
+        <p:cNvPr id="1" name=""/>
+        <p:cNvGrpSpPr/>
+        <p:nvPr/>
+      </p:nvGrpSpPr>
+      <p:grpSpPr>
+        <a:xfrm>
+          <a:off x="0" y="0"/>
+          <a:ext cx="0" cy="0"/>
+          <a:chOff x="0" y="0"/>
+          <a:chExt cx="0" cy="0"/>
+        </a:xfrm>
+      </p:grpSpPr>
+      <p:sp>
+        <p:nvSpPr>
+          <p:cNvPr id="4" name="Rectangle 3">
+            <a:extLst>
+              <a:ext uri="{FF2B5EF4-FFF2-40B4-BE49-F238E27FC236}">
+                <a16:creationId xmlns:a16="http://schemas.microsoft.com/office/drawing/2014/main" id="{660A4F87-92C7-8828-79C6-E1D355910C86}"/>
+              </a:ext>
+            </a:extLst>
+          </p:cNvPr>
+          <p:cNvSpPr/>
+          <p:nvPr/>
+        </p:nvSpPr>
+        <p:spPr>
+          <a:xfrm>
+            <a:off x="5198076" y="0"/>
+            <a:ext cx="6993924" cy="1248032"/>
+          </a:xfrm>
+          <a:prstGeom prst="rect">
+            <a:avLst/>
+          </a:prstGeom>
+        </p:spPr>
+        <p:style>
+          <a:lnRef idx="2">
+            <a:schemeClr val="accent1">
+              <a:shade val="15000"/>
+            </a:schemeClr>
+          </a:lnRef>
+          <a:fillRef idx="1">
+            <a:schemeClr val="accent1"/>
+          </a:fillRef>
+          <a:effectRef idx="0">
+            <a:schemeClr val="accent1"/>
+          </a:effectRef>
+          <a:fontRef idx="minor">
+            <a:schemeClr val="lt1"/>
+          </a:fontRef>
+        </p:style>
+        <p:txBody>
+          <a:bodyPr rtlCol="0" anchor="ctr"/>
+          <a:lstStyle/>
+          <a:p>
+            <a:r>
+              <a:rPr lang="sl-SI" sz="4000" b="1" dirty="0"/>
+              <a:t>    DISKRIMINANTNA ANALIZA</a:t>
+            </a:r>
+          </a:p>
+        </p:txBody>
+      </p:sp>
+      <p:sp>
+        <p:nvSpPr>
+          <p:cNvPr id="7" name="TextBox 6">
+            <a:extLst>
+              <a:ext uri="{FF2B5EF4-FFF2-40B4-BE49-F238E27FC236}">
+                <a16:creationId xmlns:a16="http://schemas.microsoft.com/office/drawing/2014/main" id="{AA923B4C-FDCC-F889-8BA6-F1BC838C06A1}"/>
+              </a:ext>
+            </a:extLst>
+          </p:cNvPr>
+          <p:cNvSpPr txBox="1"/>
+          <p:nvPr/>
+        </p:nvSpPr>
+        <p:spPr>
+          <a:xfrm>
+            <a:off x="333633" y="150837"/>
+            <a:ext cx="4932402" cy="2339102"/>
+          </a:xfrm>
+          <a:prstGeom prst="rect">
+            <a:avLst/>
+          </a:prstGeom>
+          <a:noFill/>
+        </p:spPr>
+        <p:txBody>
+          <a:bodyPr wrap="square" rtlCol="0">
+            <a:spAutoFit/>
+          </a:bodyPr>
+          <a:lstStyle/>
+          <a:p>
+            <a:r>
+              <a:rPr lang="en-GB" sz="2000" dirty="0" err="1"/>
+              <a:t>P</a:t>
+            </a:r>
+            <a:r>
+              <a:rPr lang="en-GB" sz="2000" dirty="0" err="1">
+                <a:effectLst/>
+              </a:rPr>
+              <a:t>odatkovni</a:t>
+            </a:r>
+            <a:r>
+              <a:rPr lang="en-GB" sz="2000" dirty="0">
+                <a:effectLst/>
+              </a:rPr>
+              <a:t> </a:t>
+            </a:r>
+            <a:r>
+              <a:rPr lang="en-GB" sz="2000" dirty="0" err="1">
+                <a:effectLst/>
+              </a:rPr>
+              <a:t>okvir</a:t>
+            </a:r>
+            <a:r>
+              <a:rPr lang="en-GB" sz="2000" dirty="0">
+                <a:effectLst/>
+              </a:rPr>
+              <a:t> z </a:t>
+            </a:r>
+            <a:r>
+              <a:rPr lang="en-GB" sz="2000" dirty="0" err="1">
+                <a:effectLst/>
+              </a:rPr>
+              <a:t>naslovom</a:t>
+            </a:r>
+            <a:r>
+              <a:rPr lang="en-GB" sz="2000" dirty="0">
+                <a:effectLst/>
+              </a:rPr>
+              <a:t> </a:t>
+            </a:r>
+            <a:r>
+              <a:rPr lang="en-GB" sz="2000" i="1" dirty="0">
+                <a:effectLst/>
+              </a:rPr>
+              <a:t>Wine</a:t>
+            </a:r>
+            <a:r>
+              <a:rPr lang="en-GB" sz="2000" i="1" dirty="0"/>
+              <a:t> – </a:t>
+            </a:r>
+            <a:r>
+              <a:rPr lang="en-GB" sz="2000" dirty="0" err="1"/>
+              <a:t>vsebujejo</a:t>
+            </a:r>
+            <a:r>
+              <a:rPr lang="en-GB" sz="2000" dirty="0"/>
+              <a:t> 13 </a:t>
+            </a:r>
+            <a:r>
+              <a:rPr lang="en-GB" sz="2000" dirty="0" err="1"/>
+              <a:t>različnih</a:t>
+            </a:r>
+            <a:r>
+              <a:rPr lang="en-GB" sz="2000" dirty="0"/>
+              <a:t> </a:t>
+            </a:r>
+            <a:r>
+              <a:rPr lang="en-GB" sz="2000" dirty="0" err="1"/>
+              <a:t>lastnosti</a:t>
+            </a:r>
+            <a:r>
+              <a:rPr lang="en-GB" sz="2000" dirty="0"/>
+              <a:t> vina </a:t>
+            </a:r>
+            <a:r>
+              <a:rPr lang="en-GB" sz="2000" dirty="0" err="1"/>
+              <a:t>iz</a:t>
+            </a:r>
+            <a:r>
+              <a:rPr lang="en-GB" sz="2000" dirty="0"/>
+              <a:t> </a:t>
+            </a:r>
+            <a:r>
+              <a:rPr lang="en-GB" sz="2000" dirty="0" err="1"/>
+              <a:t>kemijske</a:t>
+            </a:r>
+            <a:r>
+              <a:rPr lang="en-GB" sz="2000" dirty="0"/>
+              <a:t> </a:t>
+            </a:r>
+            <a:r>
+              <a:rPr lang="en-GB" sz="2000" dirty="0" err="1"/>
+              <a:t>analize</a:t>
+            </a:r>
+            <a:r>
+              <a:rPr lang="en-GB" sz="2000" dirty="0"/>
+              <a:t> </a:t>
+            </a:r>
+            <a:r>
+              <a:rPr lang="en-GB" sz="2000" dirty="0" err="1"/>
+              <a:t>treh</a:t>
+            </a:r>
+            <a:r>
+              <a:rPr lang="en-GB" sz="2000" dirty="0"/>
+              <a:t> </a:t>
+            </a:r>
+            <a:r>
+              <a:rPr lang="en-GB" sz="2000" dirty="0" err="1"/>
+              <a:t>različnih</a:t>
+            </a:r>
+            <a:r>
+              <a:rPr lang="en-GB" sz="2000" dirty="0"/>
+              <a:t> sort vina.</a:t>
+            </a:r>
+          </a:p>
+          <a:p>
+            <a:endParaRPr lang="en-GB" sz="2000" dirty="0"/>
+          </a:p>
+          <a:p>
+            <a:r>
+              <a:rPr lang="en-GB" sz="2400" b="1" dirty="0" err="1">
+                <a:effectLst/>
+              </a:rPr>
+              <a:t>Iz</a:t>
+            </a:r>
+            <a:r>
+              <a:rPr lang="en-GB" sz="2400" b="1" dirty="0">
+                <a:effectLst/>
+              </a:rPr>
+              <a:t> </a:t>
+            </a:r>
+            <a:r>
+              <a:rPr lang="en-GB" sz="2400" b="1" dirty="0" err="1">
+                <a:effectLst/>
+              </a:rPr>
+              <a:t>teh</a:t>
+            </a:r>
+            <a:r>
+              <a:rPr lang="en-GB" sz="2400" b="1" dirty="0">
+                <a:effectLst/>
+              </a:rPr>
+              <a:t> </a:t>
+            </a:r>
+            <a:r>
+              <a:rPr lang="en-GB" sz="2400" b="1" dirty="0" err="1">
+                <a:effectLst/>
+              </a:rPr>
+              <a:t>komponent</a:t>
+            </a:r>
+            <a:r>
+              <a:rPr lang="en-GB" sz="2400" b="1" dirty="0">
+                <a:effectLst/>
+              </a:rPr>
+              <a:t> </a:t>
+            </a:r>
+            <a:r>
+              <a:rPr lang="en-GB" sz="2400" b="1" dirty="0" err="1">
+                <a:effectLst/>
+              </a:rPr>
+              <a:t>želimo</a:t>
+            </a:r>
+            <a:r>
+              <a:rPr lang="en-GB" sz="2400" b="1" dirty="0">
+                <a:effectLst/>
+              </a:rPr>
+              <a:t> </a:t>
+            </a:r>
+            <a:r>
+              <a:rPr lang="en-GB" sz="2400" b="1" dirty="0" err="1">
+                <a:effectLst/>
+              </a:rPr>
+              <a:t>določiti</a:t>
+            </a:r>
+            <a:r>
+              <a:rPr lang="en-GB" sz="2400" b="1" dirty="0">
+                <a:effectLst/>
+              </a:rPr>
+              <a:t> </a:t>
+            </a:r>
+            <a:r>
+              <a:rPr lang="en-GB" sz="2400" b="1" dirty="0" err="1">
+                <a:effectLst/>
+              </a:rPr>
+              <a:t>kateri</a:t>
+            </a:r>
+            <a:r>
+              <a:rPr lang="en-GB" sz="2400" b="1" dirty="0">
+                <a:effectLst/>
+              </a:rPr>
+              <a:t> </a:t>
+            </a:r>
+            <a:r>
+              <a:rPr lang="en-GB" sz="2400" b="1" dirty="0" err="1">
+                <a:effectLst/>
+              </a:rPr>
+              <a:t>sorti</a:t>
+            </a:r>
+            <a:r>
+              <a:rPr lang="en-GB" sz="2400" b="1" dirty="0">
+                <a:effectLst/>
+              </a:rPr>
+              <a:t> </a:t>
+            </a:r>
+            <a:r>
+              <a:rPr lang="en-GB" sz="2400" b="1" dirty="0" err="1">
+                <a:effectLst/>
+              </a:rPr>
+              <a:t>pripada</a:t>
+            </a:r>
+            <a:r>
+              <a:rPr lang="en-GB" sz="2400" b="1" dirty="0">
+                <a:effectLst/>
+              </a:rPr>
+              <a:t> vino.</a:t>
+            </a:r>
+            <a:endParaRPr lang="en-GB" sz="2400" b="1" dirty="0"/>
+          </a:p>
+          <a:p>
+            <a:endParaRPr lang="sl-SI" dirty="0"/>
+          </a:p>
+        </p:txBody>
+      </p:sp>
+      <p:sp>
+        <p:nvSpPr>
+          <p:cNvPr id="9" name="TextBox 8">
+            <a:extLst>
+              <a:ext uri="{FF2B5EF4-FFF2-40B4-BE49-F238E27FC236}">
+                <a16:creationId xmlns:a16="http://schemas.microsoft.com/office/drawing/2014/main" id="{F9141483-F302-52BE-3524-B258C0AEB5FD}"/>
+              </a:ext>
+            </a:extLst>
+          </p:cNvPr>
+          <p:cNvSpPr txBox="1"/>
+          <p:nvPr/>
+        </p:nvSpPr>
+        <p:spPr>
+          <a:xfrm>
+            <a:off x="333633" y="2653138"/>
+            <a:ext cx="4077729" cy="707886"/>
+          </a:xfrm>
+          <a:prstGeom prst="rect">
+            <a:avLst/>
+          </a:prstGeom>
+          <a:noFill/>
+        </p:spPr>
+        <p:txBody>
+          <a:bodyPr wrap="square" rtlCol="0">
+            <a:spAutoFit/>
+          </a:bodyPr>
+          <a:lstStyle/>
+          <a:p>
+            <a:r>
+              <a:rPr lang="sl-SI" sz="2000" dirty="0"/>
+              <a:t>Podatke razdelimo v 3 skupine glede na sorto vina.</a:t>
+            </a:r>
+          </a:p>
+        </p:txBody>
+      </p:sp>
+      <p:pic>
+        <p:nvPicPr>
+          <p:cNvPr id="11" name="Picture 10">
+            <a:extLst>
+              <a:ext uri="{FF2B5EF4-FFF2-40B4-BE49-F238E27FC236}">
+                <a16:creationId xmlns:a16="http://schemas.microsoft.com/office/drawing/2014/main" id="{94A7BE8A-9B5D-A364-EEA4-1B4C69ACB14B}"/>
+              </a:ext>
+            </a:extLst>
+          </p:cNvPr>
+          <p:cNvPicPr>
+            <a:picLocks noChangeAspect="1"/>
+          </p:cNvPicPr>
+          <p:nvPr/>
+        </p:nvPicPr>
+        <p:blipFill>
+          <a:blip r:embed="rId2"/>
+          <a:stretch>
+            <a:fillRect/>
+          </a:stretch>
+        </p:blipFill>
+        <p:spPr>
+          <a:xfrm>
+            <a:off x="539579" y="3524223"/>
+            <a:ext cx="3962399" cy="2371436"/>
+          </a:xfrm>
+          <a:prstGeom prst="rect">
+            <a:avLst/>
+          </a:prstGeom>
+        </p:spPr>
+      </p:pic>
+      <p:pic>
+        <p:nvPicPr>
+          <p:cNvPr id="12" name="Picture 11">
+            <a:extLst>
+              <a:ext uri="{FF2B5EF4-FFF2-40B4-BE49-F238E27FC236}">
+                <a16:creationId xmlns:a16="http://schemas.microsoft.com/office/drawing/2014/main" id="{747C7FE0-1163-7E20-C4B6-8412D264322B}"/>
+              </a:ext>
+            </a:extLst>
+          </p:cNvPr>
+          <p:cNvPicPr>
+            <a:picLocks noChangeAspect="1"/>
+          </p:cNvPicPr>
+          <p:nvPr/>
+        </p:nvPicPr>
+        <p:blipFill rotWithShape="1">
+          <a:blip r:embed="rId3"/>
+          <a:srcRect t="5033"/>
+          <a:stretch/>
+        </p:blipFill>
+        <p:spPr>
+          <a:xfrm>
+            <a:off x="5636516" y="1885686"/>
+            <a:ext cx="6512241" cy="4508120"/>
+          </a:xfrm>
+          <a:prstGeom prst="rect">
+            <a:avLst/>
+          </a:prstGeom>
+        </p:spPr>
+      </p:pic>
+      <p:sp>
+        <p:nvSpPr>
+          <p:cNvPr id="13" name="TextBox 12">
+            <a:extLst>
+              <a:ext uri="{FF2B5EF4-FFF2-40B4-BE49-F238E27FC236}">
+                <a16:creationId xmlns:a16="http://schemas.microsoft.com/office/drawing/2014/main" id="{BAF8BB48-46FD-B5A7-A00D-8BDBDE0AD842}"/>
+              </a:ext>
+            </a:extLst>
+          </p:cNvPr>
+          <p:cNvSpPr txBox="1"/>
+          <p:nvPr/>
+        </p:nvSpPr>
+        <p:spPr>
+          <a:xfrm>
+            <a:off x="5636516" y="1442171"/>
+            <a:ext cx="6755031" cy="646331"/>
+          </a:xfrm>
+          <a:prstGeom prst="rect">
+            <a:avLst/>
+          </a:prstGeom>
+          <a:noFill/>
+        </p:spPr>
+        <p:txBody>
+          <a:bodyPr wrap="square" rtlCol="0">
+            <a:spAutoFit/>
+          </a:bodyPr>
+          <a:lstStyle/>
+          <a:p>
+            <a:r>
+              <a:rPr lang="en-GB" sz="1800" dirty="0" err="1">
+                <a:effectLst/>
+                <a:latin typeface="LMRoman10"/>
+              </a:rPr>
+              <a:t>Povprečja</a:t>
+            </a:r>
+            <a:r>
+              <a:rPr lang="en-GB" sz="1800" dirty="0">
+                <a:effectLst/>
+                <a:latin typeface="LMRoman10"/>
+              </a:rPr>
+              <a:t> </a:t>
+            </a:r>
+            <a:r>
+              <a:rPr lang="en-GB" sz="1800" dirty="0" err="1">
+                <a:effectLst/>
+                <a:latin typeface="LMRoman10"/>
+              </a:rPr>
+              <a:t>lastnosti</a:t>
+            </a:r>
+            <a:r>
+              <a:rPr lang="en-GB" sz="1800" dirty="0">
+                <a:effectLst/>
+                <a:latin typeface="LMRoman10"/>
+              </a:rPr>
+              <a:t> vina glede </a:t>
+            </a:r>
+            <a:r>
+              <a:rPr lang="en-GB" sz="1800" dirty="0" err="1">
+                <a:effectLst/>
+                <a:latin typeface="LMRoman10"/>
+              </a:rPr>
+              <a:t>na</a:t>
+            </a:r>
+            <a:r>
+              <a:rPr lang="en-GB" sz="1800" dirty="0">
+                <a:effectLst/>
+                <a:latin typeface="LMRoman10"/>
+              </a:rPr>
+              <a:t> </a:t>
+            </a:r>
+            <a:r>
+              <a:rPr lang="en-GB" sz="1800" dirty="0" err="1">
+                <a:effectLst/>
+                <a:latin typeface="LMRoman10"/>
+              </a:rPr>
+              <a:t>sorto</a:t>
+            </a:r>
+            <a:r>
+              <a:rPr lang="en-GB" sz="1800" dirty="0">
+                <a:effectLst/>
+                <a:latin typeface="LMRoman10"/>
+              </a:rPr>
+              <a:t> (</a:t>
+            </a:r>
+            <a:r>
+              <a:rPr lang="en-GB" sz="1800" dirty="0" err="1">
+                <a:effectLst/>
+                <a:latin typeface="LMRoman10"/>
+              </a:rPr>
+              <a:t>standardizirane</a:t>
+            </a:r>
+            <a:r>
+              <a:rPr lang="en-GB" sz="1800" dirty="0">
+                <a:effectLst/>
+                <a:latin typeface="LMRoman10"/>
+              </a:rPr>
+              <a:t> </a:t>
+            </a:r>
+            <a:r>
+              <a:rPr lang="en-GB" sz="1800" dirty="0" err="1">
+                <a:effectLst/>
+                <a:latin typeface="LMRoman10"/>
+              </a:rPr>
+              <a:t>vrednosti</a:t>
+            </a:r>
+            <a:r>
+              <a:rPr lang="en-GB" sz="1800" dirty="0">
+                <a:effectLst/>
+                <a:latin typeface="LMRoman10"/>
+              </a:rPr>
+              <a:t>) .</a:t>
+            </a:r>
+            <a:endParaRPr lang="en-GB" dirty="0"/>
+          </a:p>
+          <a:p>
+            <a:endParaRPr lang="sl-SI" dirty="0"/>
+          </a:p>
+        </p:txBody>
+      </p:sp>
+    </p:spTree>
+    <p:extLst>
+      <p:ext uri="{BB962C8B-B14F-4D97-AF65-F5344CB8AC3E}">
+        <p14:creationId xmlns:p14="http://schemas.microsoft.com/office/powerpoint/2010/main" val="3263970330"/>
+      </p:ext>
+    </p:extLst>
+  </p:cSld>
+  <p:clrMapOvr>
+    <a:masterClrMapping/>
+  </p:clrMapOvr>
+</p:sld>
+</file>
+
+<file path=ppt/slides/slide5.xml><?xml version="1.0" encoding="utf-8"?>
+<p:sld xmlns:a="http://schemas.openxmlformats.org/drawingml/2006/main" xmlns:r="http://schemas.openxmlformats.org/officeDocument/2006/relationships" xmlns:p="http://schemas.openxmlformats.org/presentationml/2006/main">
+  <p:cSld>
+    <p:spTree>
+      <p:nvGrpSpPr>
+        <p:cNvPr id="1" name=""/>
+        <p:cNvGrpSpPr/>
+        <p:nvPr/>
+      </p:nvGrpSpPr>
+      <p:grpSpPr>
+        <a:xfrm>
+          <a:off x="0" y="0"/>
+          <a:ext cx="0" cy="0"/>
+          <a:chOff x="0" y="0"/>
+          <a:chExt cx="0" cy="0"/>
+        </a:xfrm>
+      </p:grpSpPr>
+      <p:sp>
+        <p:nvSpPr>
+          <p:cNvPr id="4" name="Rectangle 3">
+            <a:extLst>
+              <a:ext uri="{FF2B5EF4-FFF2-40B4-BE49-F238E27FC236}">
                 <a16:creationId xmlns:a16="http://schemas.microsoft.com/office/drawing/2014/main" id="{FBEDD8AF-1BB3-0F7C-4717-BEF5D4B1016C}"/>
               </a:ext>
             </a:extLst>
@@ -4345,7 +4782,7 @@
 </p:sld>
 </file>
 
-<file path=ppt/slides/slide4.xml><?xml version="1.0" encoding="utf-8"?>
+<file path=ppt/slides/slide6.xml><?xml version="1.0" encoding="utf-8"?>
 <p:sld xmlns:a="http://schemas.openxmlformats.org/drawingml/2006/main" xmlns:r="http://schemas.openxmlformats.org/officeDocument/2006/relationships" xmlns:p="http://schemas.openxmlformats.org/presentationml/2006/main">
   <p:cSld>
     <p:spTree>

--- a/multivariatna_analiza/predstavitev_domacih_nalog/pred.pptx
+++ b/multivariatna_analiza/predstavitev_domacih_nalog/pred.pptx
@@ -266,7 +266,7 @@
           <a:p>
             <a:fld id="{61AD32D0-812D-B540-BD38-806FA39D8D5E}" type="datetimeFigureOut">
               <a:rPr lang="sl-SI" smtClean="0"/>
-              <a:t>21. 5. 24</a:t>
+              <a:t>25. 5. 24</a:t>
             </a:fld>
             <a:endParaRPr lang="sl-SI"/>
           </a:p>
@@ -466,7 +466,7 @@
           <a:p>
             <a:fld id="{61AD32D0-812D-B540-BD38-806FA39D8D5E}" type="datetimeFigureOut">
               <a:rPr lang="sl-SI" smtClean="0"/>
-              <a:t>21. 5. 24</a:t>
+              <a:t>25. 5. 24</a:t>
             </a:fld>
             <a:endParaRPr lang="sl-SI"/>
           </a:p>
@@ -676,7 +676,7 @@
           <a:p>
             <a:fld id="{61AD32D0-812D-B540-BD38-806FA39D8D5E}" type="datetimeFigureOut">
               <a:rPr lang="sl-SI" smtClean="0"/>
-              <a:t>21. 5. 24</a:t>
+              <a:t>25. 5. 24</a:t>
             </a:fld>
             <a:endParaRPr lang="sl-SI"/>
           </a:p>
@@ -876,7 +876,7 @@
           <a:p>
             <a:fld id="{61AD32D0-812D-B540-BD38-806FA39D8D5E}" type="datetimeFigureOut">
               <a:rPr lang="sl-SI" smtClean="0"/>
-              <a:t>21. 5. 24</a:t>
+              <a:t>25. 5. 24</a:t>
             </a:fld>
             <a:endParaRPr lang="sl-SI"/>
           </a:p>
@@ -1152,7 +1152,7 @@
           <a:p>
             <a:fld id="{61AD32D0-812D-B540-BD38-806FA39D8D5E}" type="datetimeFigureOut">
               <a:rPr lang="sl-SI" smtClean="0"/>
-              <a:t>21. 5. 24</a:t>
+              <a:t>25. 5. 24</a:t>
             </a:fld>
             <a:endParaRPr lang="sl-SI"/>
           </a:p>
@@ -1420,7 +1420,7 @@
           <a:p>
             <a:fld id="{61AD32D0-812D-B540-BD38-806FA39D8D5E}" type="datetimeFigureOut">
               <a:rPr lang="sl-SI" smtClean="0"/>
-              <a:t>21. 5. 24</a:t>
+              <a:t>25. 5. 24</a:t>
             </a:fld>
             <a:endParaRPr lang="sl-SI"/>
           </a:p>
@@ -1835,7 +1835,7 @@
           <a:p>
             <a:fld id="{61AD32D0-812D-B540-BD38-806FA39D8D5E}" type="datetimeFigureOut">
               <a:rPr lang="sl-SI" smtClean="0"/>
-              <a:t>21. 5. 24</a:t>
+              <a:t>25. 5. 24</a:t>
             </a:fld>
             <a:endParaRPr lang="sl-SI"/>
           </a:p>
@@ -1977,7 +1977,7 @@
           <a:p>
             <a:fld id="{61AD32D0-812D-B540-BD38-806FA39D8D5E}" type="datetimeFigureOut">
               <a:rPr lang="sl-SI" smtClean="0"/>
-              <a:t>21. 5. 24</a:t>
+              <a:t>25. 5. 24</a:t>
             </a:fld>
             <a:endParaRPr lang="sl-SI"/>
           </a:p>
@@ -2090,7 +2090,7 @@
           <a:p>
             <a:fld id="{61AD32D0-812D-B540-BD38-806FA39D8D5E}" type="datetimeFigureOut">
               <a:rPr lang="sl-SI" smtClean="0"/>
-              <a:t>21. 5. 24</a:t>
+              <a:t>25. 5. 24</a:t>
             </a:fld>
             <a:endParaRPr lang="sl-SI"/>
           </a:p>
@@ -2403,7 +2403,7 @@
           <a:p>
             <a:fld id="{61AD32D0-812D-B540-BD38-806FA39D8D5E}" type="datetimeFigureOut">
               <a:rPr lang="sl-SI" smtClean="0"/>
-              <a:t>21. 5. 24</a:t>
+              <a:t>25. 5. 24</a:t>
             </a:fld>
             <a:endParaRPr lang="sl-SI"/>
           </a:p>
@@ -2692,7 +2692,7 @@
           <a:p>
             <a:fld id="{61AD32D0-812D-B540-BD38-806FA39D8D5E}" type="datetimeFigureOut">
               <a:rPr lang="sl-SI" smtClean="0"/>
-              <a:t>21. 5. 24</a:t>
+              <a:t>25. 5. 24</a:t>
             </a:fld>
             <a:endParaRPr lang="sl-SI"/>
           </a:p>
@@ -2935,7 +2935,7 @@
           <a:p>
             <a:fld id="{61AD32D0-812D-B540-BD38-806FA39D8D5E}" type="datetimeFigureOut">
               <a:rPr lang="sl-SI" smtClean="0"/>
-              <a:t>21. 5. 24</a:t>
+              <a:t>25. 5. 24</a:t>
             </a:fld>
             <a:endParaRPr lang="sl-SI"/>
           </a:p>
@@ -3743,7 +3743,7 @@
           <a:p>
             <a:r>
               <a:rPr lang="sl-SI" sz="2000" dirty="0"/>
-              <a:t>Podatki testa osebnosti – spremenljivke  energije in čustvene stabilnosti.</a:t>
+              <a:t>Podatki testa osebnosti – spremenljivke  energije in čustvene stabilnosti za državo Francija</a:t>
             </a:r>
           </a:p>
         </p:txBody>
@@ -4010,7 +4010,7 @@
           <a:p>
             <a:r>
               <a:rPr lang="sl-SI" sz="2400" dirty="0"/>
-              <a:t>Želimo poenostaviti kompleksnost povezav med spremenljivkami energije in čustvene stabilnosti tako, da sva našla novo dva faktorja, ki predstavlja skupno opazovanim spremenljivkam.</a:t>
+              <a:t>Želimo poenostaviti kompleksnost povezav med spremenljivkami energije in čustvene stabilnosti tako, da sva našla nova dva faktorja, ki predstavlja skupno opazovanim spremenljivkam.</a:t>
             </a:r>
           </a:p>
         </p:txBody>
